--- a/Figures/Ian_exploratory.pptx
+++ b/Figures/Ian_exploratory.pptx
@@ -11,6 +11,12 @@
     <p:sldId id="259" r:id="rId5"/>
     <p:sldId id="260" r:id="rId6"/>
     <p:sldId id="261" r:id="rId7"/>
+    <p:sldId id="262" r:id="rId8"/>
+    <p:sldId id="263" r:id="rId9"/>
+    <p:sldId id="264" r:id="rId10"/>
+    <p:sldId id="265" r:id="rId11"/>
+    <p:sldId id="267" r:id="rId12"/>
+    <p:sldId id="266" r:id="rId13"/>
   </p:sldIdLst>
   <p:sldSz cx="12192000" cy="6858000"/>
   <p:notesSz cx="6858000" cy="9144000"/>
@@ -109,6 +115,11 @@
       </a:defRPr>
     </a:lvl9pPr>
   </p:defaultTextStyle>
+  <p:extLst>
+    <p:ext uri="{EFAFB233-063F-42B5-8137-9DF3F51BA10A}">
+      <p15:sldGuideLst xmlns:p15="http://schemas.microsoft.com/office/powerpoint/2012/main"/>
+    </p:ext>
+  </p:extLst>
 </p:presentation>
 </file>
 
@@ -243,7 +254,7 @@
           <a:p>
             <a:fld id="{C248A968-D4EB-47A5-B081-FB1477CE546E}" type="datetimeFigureOut">
               <a:rPr lang="en-US" smtClean="0"/>
-              <a:t>11/4/2020</a:t>
+              <a:t>11/11/2020</a:t>
             </a:fld>
             <a:endParaRPr lang="en-US"/>
           </a:p>
@@ -413,7 +424,7 @@
           <a:p>
             <a:fld id="{C248A968-D4EB-47A5-B081-FB1477CE546E}" type="datetimeFigureOut">
               <a:rPr lang="en-US" smtClean="0"/>
-              <a:t>11/4/2020</a:t>
+              <a:t>11/11/2020</a:t>
             </a:fld>
             <a:endParaRPr lang="en-US"/>
           </a:p>
@@ -593,7 +604,7 @@
           <a:p>
             <a:fld id="{C248A968-D4EB-47A5-B081-FB1477CE546E}" type="datetimeFigureOut">
               <a:rPr lang="en-US" smtClean="0"/>
-              <a:t>11/4/2020</a:t>
+              <a:t>11/11/2020</a:t>
             </a:fld>
             <a:endParaRPr lang="en-US"/>
           </a:p>
@@ -763,7 +774,7 @@
           <a:p>
             <a:fld id="{C248A968-D4EB-47A5-B081-FB1477CE546E}" type="datetimeFigureOut">
               <a:rPr lang="en-US" smtClean="0"/>
-              <a:t>11/4/2020</a:t>
+              <a:t>11/11/2020</a:t>
             </a:fld>
             <a:endParaRPr lang="en-US"/>
           </a:p>
@@ -1009,7 +1020,7 @@
           <a:p>
             <a:fld id="{C248A968-D4EB-47A5-B081-FB1477CE546E}" type="datetimeFigureOut">
               <a:rPr lang="en-US" smtClean="0"/>
-              <a:t>11/4/2020</a:t>
+              <a:t>11/11/2020</a:t>
             </a:fld>
             <a:endParaRPr lang="en-US"/>
           </a:p>
@@ -1241,7 +1252,7 @@
           <a:p>
             <a:fld id="{C248A968-D4EB-47A5-B081-FB1477CE546E}" type="datetimeFigureOut">
               <a:rPr lang="en-US" smtClean="0"/>
-              <a:t>11/4/2020</a:t>
+              <a:t>11/11/2020</a:t>
             </a:fld>
             <a:endParaRPr lang="en-US"/>
           </a:p>
@@ -1608,7 +1619,7 @@
           <a:p>
             <a:fld id="{C248A968-D4EB-47A5-B081-FB1477CE546E}" type="datetimeFigureOut">
               <a:rPr lang="en-US" smtClean="0"/>
-              <a:t>11/4/2020</a:t>
+              <a:t>11/11/2020</a:t>
             </a:fld>
             <a:endParaRPr lang="en-US"/>
           </a:p>
@@ -1726,7 +1737,7 @@
           <a:p>
             <a:fld id="{C248A968-D4EB-47A5-B081-FB1477CE546E}" type="datetimeFigureOut">
               <a:rPr lang="en-US" smtClean="0"/>
-              <a:t>11/4/2020</a:t>
+              <a:t>11/11/2020</a:t>
             </a:fld>
             <a:endParaRPr lang="en-US"/>
           </a:p>
@@ -1821,7 +1832,7 @@
           <a:p>
             <a:fld id="{C248A968-D4EB-47A5-B081-FB1477CE546E}" type="datetimeFigureOut">
               <a:rPr lang="en-US" smtClean="0"/>
-              <a:t>11/4/2020</a:t>
+              <a:t>11/11/2020</a:t>
             </a:fld>
             <a:endParaRPr lang="en-US"/>
           </a:p>
@@ -2098,7 +2109,7 @@
           <a:p>
             <a:fld id="{C248A968-D4EB-47A5-B081-FB1477CE546E}" type="datetimeFigureOut">
               <a:rPr lang="en-US" smtClean="0"/>
-              <a:t>11/4/2020</a:t>
+              <a:t>11/11/2020</a:t>
             </a:fld>
             <a:endParaRPr lang="en-US"/>
           </a:p>
@@ -2351,7 +2362,7 @@
           <a:p>
             <a:fld id="{C248A968-D4EB-47A5-B081-FB1477CE546E}" type="datetimeFigureOut">
               <a:rPr lang="en-US" smtClean="0"/>
-              <a:t>11/4/2020</a:t>
+              <a:t>11/11/2020</a:t>
             </a:fld>
             <a:endParaRPr lang="en-US"/>
           </a:p>
@@ -2564,7 +2575,7 @@
           <a:p>
             <a:fld id="{C248A968-D4EB-47A5-B081-FB1477CE546E}" type="datetimeFigureOut">
               <a:rPr lang="en-US" smtClean="0"/>
-              <a:t>11/4/2020</a:t>
+              <a:t>11/11/2020</a:t>
             </a:fld>
             <a:endParaRPr lang="en-US"/>
           </a:p>
@@ -3006,6 +3017,275 @@
 </p:sld>
 </file>
 
+<file path=ppt/slides/slide10.xml><?xml version="1.0" encoding="utf-8"?>
+<p:sld xmlns:a="http://schemas.openxmlformats.org/drawingml/2006/main" xmlns:r="http://schemas.openxmlformats.org/officeDocument/2006/relationships" xmlns:p="http://schemas.openxmlformats.org/presentationml/2006/main">
+  <p:cSld>
+    <p:spTree>
+      <p:nvGrpSpPr>
+        <p:cNvPr id="1" name=""/>
+        <p:cNvGrpSpPr/>
+        <p:nvPr/>
+      </p:nvGrpSpPr>
+      <p:grpSpPr>
+        <a:xfrm>
+          <a:off x="0" y="0"/>
+          <a:ext cx="0" cy="0"/>
+          <a:chOff x="0" y="0"/>
+          <a:chExt cx="0" cy="0"/>
+        </a:xfrm>
+      </p:grpSpPr>
+      <p:pic>
+        <p:nvPicPr>
+          <p:cNvPr id="7" name="Picture 6"/>
+          <p:cNvPicPr>
+            <a:picLocks noChangeAspect="1"/>
+          </p:cNvPicPr>
+          <p:nvPr/>
+        </p:nvPicPr>
+        <p:blipFill>
+          <a:blip r:embed="rId2"/>
+          <a:stretch>
+            <a:fillRect/>
+          </a:stretch>
+        </p:blipFill>
+        <p:spPr>
+          <a:xfrm>
+            <a:off x="228291" y="352705"/>
+            <a:ext cx="11193395" cy="6296285"/>
+          </a:xfrm>
+          <a:prstGeom prst="rect">
+            <a:avLst/>
+          </a:prstGeom>
+        </p:spPr>
+      </p:pic>
+      <p:sp>
+        <p:nvSpPr>
+          <p:cNvPr id="4" name="TextBox 3"/>
+          <p:cNvSpPr txBox="1"/>
+          <p:nvPr/>
+        </p:nvSpPr>
+        <p:spPr>
+          <a:xfrm>
+            <a:off x="3449782" y="108065"/>
+            <a:ext cx="6882938" cy="369332"/>
+          </a:xfrm>
+          <a:prstGeom prst="rect">
+            <a:avLst/>
+          </a:prstGeom>
+          <a:noFill/>
+        </p:spPr>
+        <p:txBody>
+          <a:bodyPr wrap="square" rtlCol="0">
+            <a:spAutoFit/>
+          </a:bodyPr>
+          <a:lstStyle/>
+          <a:p>
+            <a:r>
+              <a:rPr lang="en-US" dirty="0" smtClean="0">
+                <a:latin typeface="Arial" panose="020B0604020202020204" pitchFamily="34" charset="0"/>
+                <a:cs typeface="Arial" panose="020B0604020202020204" pitchFamily="34" charset="0"/>
+              </a:rPr>
+              <a:t>Ran without MS river basin</a:t>
+            </a:r>
+            <a:endParaRPr lang="en-US" dirty="0">
+              <a:latin typeface="Arial" panose="020B0604020202020204" pitchFamily="34" charset="0"/>
+              <a:cs typeface="Arial" panose="020B0604020202020204" pitchFamily="34" charset="0"/>
+            </a:endParaRPr>
+          </a:p>
+        </p:txBody>
+      </p:sp>
+    </p:spTree>
+    <p:extLst>
+      <p:ext uri="{BB962C8B-B14F-4D97-AF65-F5344CB8AC3E}">
+        <p14:creationId xmlns:p14="http://schemas.microsoft.com/office/powerpoint/2010/main" val="3267380586"/>
+      </p:ext>
+    </p:extLst>
+  </p:cSld>
+  <p:clrMapOvr>
+    <a:masterClrMapping/>
+  </p:clrMapOvr>
+</p:sld>
+</file>
+
+<file path=ppt/slides/slide11.xml><?xml version="1.0" encoding="utf-8"?>
+<p:sld xmlns:a="http://schemas.openxmlformats.org/drawingml/2006/main" xmlns:r="http://schemas.openxmlformats.org/officeDocument/2006/relationships" xmlns:p="http://schemas.openxmlformats.org/presentationml/2006/main">
+  <p:cSld>
+    <p:spTree>
+      <p:nvGrpSpPr>
+        <p:cNvPr id="1" name=""/>
+        <p:cNvGrpSpPr/>
+        <p:nvPr/>
+      </p:nvGrpSpPr>
+      <p:grpSpPr>
+        <a:xfrm>
+          <a:off x="0" y="0"/>
+          <a:ext cx="0" cy="0"/>
+          <a:chOff x="0" y="0"/>
+          <a:chExt cx="0" cy="0"/>
+        </a:xfrm>
+      </p:grpSpPr>
+      <p:pic>
+        <p:nvPicPr>
+          <p:cNvPr id="4" name="Picture 3"/>
+          <p:cNvPicPr>
+            <a:picLocks noChangeAspect="1"/>
+          </p:cNvPicPr>
+          <p:nvPr/>
+        </p:nvPicPr>
+        <p:blipFill>
+          <a:blip r:embed="rId2"/>
+          <a:stretch>
+            <a:fillRect/>
+          </a:stretch>
+        </p:blipFill>
+        <p:spPr>
+          <a:xfrm>
+            <a:off x="406787" y="357447"/>
+            <a:ext cx="11501602" cy="6209608"/>
+          </a:xfrm>
+          <a:prstGeom prst="rect">
+            <a:avLst/>
+          </a:prstGeom>
+        </p:spPr>
+      </p:pic>
+      <p:sp>
+        <p:nvSpPr>
+          <p:cNvPr id="5" name="TextBox 4"/>
+          <p:cNvSpPr txBox="1"/>
+          <p:nvPr/>
+        </p:nvSpPr>
+        <p:spPr>
+          <a:xfrm>
+            <a:off x="406787" y="6382389"/>
+            <a:ext cx="6882938" cy="369332"/>
+          </a:xfrm>
+          <a:prstGeom prst="rect">
+            <a:avLst/>
+          </a:prstGeom>
+          <a:noFill/>
+        </p:spPr>
+        <p:txBody>
+          <a:bodyPr wrap="square" rtlCol="0">
+            <a:spAutoFit/>
+          </a:bodyPr>
+          <a:lstStyle/>
+          <a:p>
+            <a:r>
+              <a:rPr lang="en-US" dirty="0" smtClean="0">
+                <a:latin typeface="Arial" panose="020B0604020202020204" pitchFamily="34" charset="0"/>
+                <a:cs typeface="Arial" panose="020B0604020202020204" pitchFamily="34" charset="0"/>
+              </a:rPr>
+              <a:t>Ran without MS river basin</a:t>
+            </a:r>
+            <a:endParaRPr lang="en-US" dirty="0">
+              <a:latin typeface="Arial" panose="020B0604020202020204" pitchFamily="34" charset="0"/>
+              <a:cs typeface="Arial" panose="020B0604020202020204" pitchFamily="34" charset="0"/>
+            </a:endParaRPr>
+          </a:p>
+        </p:txBody>
+      </p:sp>
+    </p:spTree>
+    <p:extLst>
+      <p:ext uri="{BB962C8B-B14F-4D97-AF65-F5344CB8AC3E}">
+        <p14:creationId xmlns:p14="http://schemas.microsoft.com/office/powerpoint/2010/main" val="1358649926"/>
+      </p:ext>
+    </p:extLst>
+  </p:cSld>
+  <p:clrMapOvr>
+    <a:masterClrMapping/>
+  </p:clrMapOvr>
+</p:sld>
+</file>
+
+<file path=ppt/slides/slide12.xml><?xml version="1.0" encoding="utf-8"?>
+<p:sld xmlns:a="http://schemas.openxmlformats.org/drawingml/2006/main" xmlns:r="http://schemas.openxmlformats.org/officeDocument/2006/relationships" xmlns:p="http://schemas.openxmlformats.org/presentationml/2006/main">
+  <p:cSld>
+    <p:spTree>
+      <p:nvGrpSpPr>
+        <p:cNvPr id="1" name=""/>
+        <p:cNvGrpSpPr/>
+        <p:nvPr/>
+      </p:nvGrpSpPr>
+      <p:grpSpPr>
+        <a:xfrm>
+          <a:off x="0" y="0"/>
+          <a:ext cx="0" cy="0"/>
+          <a:chOff x="0" y="0"/>
+          <a:chExt cx="0" cy="0"/>
+        </a:xfrm>
+      </p:grpSpPr>
+      <p:pic>
+        <p:nvPicPr>
+          <p:cNvPr id="4" name="Picture 3"/>
+          <p:cNvPicPr>
+            <a:picLocks noChangeAspect="1"/>
+          </p:cNvPicPr>
+          <p:nvPr/>
+        </p:nvPicPr>
+        <p:blipFill rotWithShape="1">
+          <a:blip r:embed="rId2"/>
+          <a:srcRect t="49750" r="51880" b="4978"/>
+          <a:stretch/>
+        </p:blipFill>
+        <p:spPr>
+          <a:xfrm>
+            <a:off x="428104" y="407322"/>
+            <a:ext cx="11482099" cy="6076605"/>
+          </a:xfrm>
+          <a:prstGeom prst="rect">
+            <a:avLst/>
+          </a:prstGeom>
+        </p:spPr>
+      </p:pic>
+      <p:sp>
+        <p:nvSpPr>
+          <p:cNvPr id="5" name="TextBox 4"/>
+          <p:cNvSpPr txBox="1"/>
+          <p:nvPr/>
+        </p:nvSpPr>
+        <p:spPr>
+          <a:xfrm>
+            <a:off x="3117272" y="6417425"/>
+            <a:ext cx="6882938" cy="369332"/>
+          </a:xfrm>
+          <a:prstGeom prst="rect">
+            <a:avLst/>
+          </a:prstGeom>
+          <a:noFill/>
+        </p:spPr>
+        <p:txBody>
+          <a:bodyPr wrap="square" rtlCol="0">
+            <a:spAutoFit/>
+          </a:bodyPr>
+          <a:lstStyle/>
+          <a:p>
+            <a:r>
+              <a:rPr lang="en-US" dirty="0" smtClean="0">
+                <a:latin typeface="Arial" panose="020B0604020202020204" pitchFamily="34" charset="0"/>
+                <a:cs typeface="Arial" panose="020B0604020202020204" pitchFamily="34" charset="0"/>
+              </a:rPr>
+              <a:t>Ran without MS river basin</a:t>
+            </a:r>
+            <a:endParaRPr lang="en-US" dirty="0">
+              <a:latin typeface="Arial" panose="020B0604020202020204" pitchFamily="34" charset="0"/>
+              <a:cs typeface="Arial" panose="020B0604020202020204" pitchFamily="34" charset="0"/>
+            </a:endParaRPr>
+          </a:p>
+        </p:txBody>
+      </p:sp>
+    </p:spTree>
+    <p:extLst>
+      <p:ext uri="{BB962C8B-B14F-4D97-AF65-F5344CB8AC3E}">
+        <p14:creationId xmlns:p14="http://schemas.microsoft.com/office/powerpoint/2010/main" val="208932058"/>
+      </p:ext>
+    </p:extLst>
+  </p:cSld>
+  <p:clrMapOvr>
+    <a:masterClrMapping/>
+  </p:clrMapOvr>
+</p:sld>
+</file>
+
 <file path=ppt/slides/slide2.xml><?xml version="1.0" encoding="utf-8"?>
 <p:sld xmlns:a="http://schemas.openxmlformats.org/drawingml/2006/main" xmlns:r="http://schemas.openxmlformats.org/officeDocument/2006/relationships" xmlns:p="http://schemas.openxmlformats.org/presentationml/2006/main">
   <p:cSld>
@@ -3333,6 +3613,545 @@
     <p:extLst>
       <p:ext uri="{BB962C8B-B14F-4D97-AF65-F5344CB8AC3E}">
         <p14:creationId xmlns:p14="http://schemas.microsoft.com/office/powerpoint/2010/main" val="1790132385"/>
+      </p:ext>
+    </p:extLst>
+  </p:cSld>
+  <p:clrMapOvr>
+    <a:masterClrMapping/>
+  </p:clrMapOvr>
+</p:sld>
+</file>
+
+<file path=ppt/slides/slide7.xml><?xml version="1.0" encoding="utf-8"?>
+<p:sld xmlns:a="http://schemas.openxmlformats.org/drawingml/2006/main" xmlns:r="http://schemas.openxmlformats.org/officeDocument/2006/relationships" xmlns:p="http://schemas.openxmlformats.org/presentationml/2006/main">
+  <p:cSld>
+    <p:spTree>
+      <p:nvGrpSpPr>
+        <p:cNvPr id="1" name=""/>
+        <p:cNvGrpSpPr/>
+        <p:nvPr/>
+      </p:nvGrpSpPr>
+      <p:grpSpPr>
+        <a:xfrm>
+          <a:off x="0" y="0"/>
+          <a:ext cx="0" cy="0"/>
+          <a:chOff x="0" y="0"/>
+          <a:chExt cx="0" cy="0"/>
+        </a:xfrm>
+      </p:grpSpPr>
+      <p:sp>
+        <p:nvSpPr>
+          <p:cNvPr id="2" name="Title 1"/>
+          <p:cNvSpPr>
+            <a:spLocks noGrp="1"/>
+          </p:cNvSpPr>
+          <p:nvPr>
+            <p:ph type="title"/>
+          </p:nvPr>
+        </p:nvSpPr>
+        <p:spPr/>
+        <p:txBody>
+          <a:bodyPr/>
+          <a:lstStyle/>
+          <a:p>
+            <a:r>
+              <a:rPr lang="en-US" dirty="0" smtClean="0"/>
+              <a:t>PCA</a:t>
+            </a:r>
+            <a:endParaRPr lang="en-US" dirty="0"/>
+          </a:p>
+        </p:txBody>
+      </p:sp>
+      <p:sp>
+        <p:nvSpPr>
+          <p:cNvPr id="3" name="Content Placeholder 2"/>
+          <p:cNvSpPr>
+            <a:spLocks noGrp="1"/>
+          </p:cNvSpPr>
+          <p:nvPr>
+            <p:ph idx="1"/>
+          </p:nvPr>
+        </p:nvSpPr>
+        <p:spPr/>
+        <p:txBody>
+          <a:bodyPr/>
+          <a:lstStyle/>
+          <a:p>
+            <a:endParaRPr lang="en-US" dirty="0"/>
+          </a:p>
+        </p:txBody>
+      </p:sp>
+    </p:spTree>
+    <p:extLst>
+      <p:ext uri="{BB962C8B-B14F-4D97-AF65-F5344CB8AC3E}">
+        <p14:creationId xmlns:p14="http://schemas.microsoft.com/office/powerpoint/2010/main" val="2601275833"/>
+      </p:ext>
+    </p:extLst>
+  </p:cSld>
+  <p:clrMapOvr>
+    <a:masterClrMapping/>
+  </p:clrMapOvr>
+</p:sld>
+</file>
+
+<file path=ppt/slides/slide8.xml><?xml version="1.0" encoding="utf-8"?>
+<p:sld xmlns:a="http://schemas.openxmlformats.org/drawingml/2006/main" xmlns:r="http://schemas.openxmlformats.org/officeDocument/2006/relationships" xmlns:p="http://schemas.openxmlformats.org/presentationml/2006/main">
+  <p:cSld>
+    <p:spTree>
+      <p:nvGrpSpPr>
+        <p:cNvPr id="1" name=""/>
+        <p:cNvGrpSpPr/>
+        <p:nvPr/>
+      </p:nvGrpSpPr>
+      <p:grpSpPr>
+        <a:xfrm>
+          <a:off x="0" y="0"/>
+          <a:ext cx="0" cy="0"/>
+          <a:chOff x="0" y="0"/>
+          <a:chExt cx="0" cy="0"/>
+        </a:xfrm>
+      </p:grpSpPr>
+      <p:pic>
+        <p:nvPicPr>
+          <p:cNvPr id="4" name="Picture 3"/>
+          <p:cNvPicPr>
+            <a:picLocks noChangeAspect="1"/>
+          </p:cNvPicPr>
+          <p:nvPr/>
+        </p:nvPicPr>
+        <p:blipFill>
+          <a:blip r:embed="rId2"/>
+          <a:stretch>
+            <a:fillRect/>
+          </a:stretch>
+        </p:blipFill>
+        <p:spPr>
+          <a:xfrm>
+            <a:off x="287867" y="292099"/>
+            <a:ext cx="11288478" cy="6349769"/>
+          </a:xfrm>
+          <a:prstGeom prst="rect">
+            <a:avLst/>
+          </a:prstGeom>
+        </p:spPr>
+      </p:pic>
+      <p:sp>
+        <p:nvSpPr>
+          <p:cNvPr id="5" name="TextBox 4"/>
+          <p:cNvSpPr txBox="1"/>
+          <p:nvPr/>
+        </p:nvSpPr>
+        <p:spPr>
+          <a:xfrm>
+            <a:off x="3449782" y="108065"/>
+            <a:ext cx="6882938" cy="369332"/>
+          </a:xfrm>
+          <a:prstGeom prst="rect">
+            <a:avLst/>
+          </a:prstGeom>
+          <a:noFill/>
+        </p:spPr>
+        <p:txBody>
+          <a:bodyPr wrap="square" rtlCol="0">
+            <a:spAutoFit/>
+          </a:bodyPr>
+          <a:lstStyle/>
+          <a:p>
+            <a:r>
+              <a:rPr lang="en-US" dirty="0" smtClean="0">
+                <a:latin typeface="Arial" panose="020B0604020202020204" pitchFamily="34" charset="0"/>
+                <a:cs typeface="Arial" panose="020B0604020202020204" pitchFamily="34" charset="0"/>
+              </a:rPr>
+              <a:t>Ran without MS river basin</a:t>
+            </a:r>
+            <a:endParaRPr lang="en-US" dirty="0">
+              <a:latin typeface="Arial" panose="020B0604020202020204" pitchFamily="34" charset="0"/>
+              <a:cs typeface="Arial" panose="020B0604020202020204" pitchFamily="34" charset="0"/>
+            </a:endParaRPr>
+          </a:p>
+        </p:txBody>
+      </p:sp>
+    </p:spTree>
+    <p:extLst>
+      <p:ext uri="{BB962C8B-B14F-4D97-AF65-F5344CB8AC3E}">
+        <p14:creationId xmlns:p14="http://schemas.microsoft.com/office/powerpoint/2010/main" val="4185102951"/>
+      </p:ext>
+    </p:extLst>
+  </p:cSld>
+  <p:clrMapOvr>
+    <a:masterClrMapping/>
+  </p:clrMapOvr>
+</p:sld>
+</file>
+
+<file path=ppt/slides/slide9.xml><?xml version="1.0" encoding="utf-8"?>
+<p:sld xmlns:a="http://schemas.openxmlformats.org/drawingml/2006/main" xmlns:r="http://schemas.openxmlformats.org/officeDocument/2006/relationships" xmlns:p="http://schemas.openxmlformats.org/presentationml/2006/main">
+  <p:cSld>
+    <p:spTree>
+      <p:nvGrpSpPr>
+        <p:cNvPr id="1" name=""/>
+        <p:cNvGrpSpPr/>
+        <p:nvPr/>
+      </p:nvGrpSpPr>
+      <p:grpSpPr>
+        <a:xfrm>
+          <a:off x="0" y="0"/>
+          <a:ext cx="0" cy="0"/>
+          <a:chOff x="0" y="0"/>
+          <a:chExt cx="0" cy="0"/>
+        </a:xfrm>
+      </p:grpSpPr>
+      <p:pic>
+        <p:nvPicPr>
+          <p:cNvPr id="6" name="Picture 5"/>
+          <p:cNvPicPr>
+            <a:picLocks noChangeAspect="1"/>
+          </p:cNvPicPr>
+          <p:nvPr/>
+        </p:nvPicPr>
+        <p:blipFill>
+          <a:blip r:embed="rId2"/>
+          <a:stretch>
+            <a:fillRect/>
+          </a:stretch>
+        </p:blipFill>
+        <p:spPr>
+          <a:xfrm>
+            <a:off x="345198" y="324196"/>
+            <a:ext cx="11147469" cy="6018415"/>
+          </a:xfrm>
+          <a:prstGeom prst="rect">
+            <a:avLst/>
+          </a:prstGeom>
+        </p:spPr>
+      </p:pic>
+      <p:sp>
+        <p:nvSpPr>
+          <p:cNvPr id="7" name="TextBox 6"/>
+          <p:cNvSpPr txBox="1"/>
+          <p:nvPr/>
+        </p:nvSpPr>
+        <p:spPr>
+          <a:xfrm>
+            <a:off x="606830" y="6157945"/>
+            <a:ext cx="6882938" cy="369332"/>
+          </a:xfrm>
+          <a:prstGeom prst="rect">
+            <a:avLst/>
+          </a:prstGeom>
+          <a:noFill/>
+        </p:spPr>
+        <p:txBody>
+          <a:bodyPr wrap="square" rtlCol="0">
+            <a:spAutoFit/>
+          </a:bodyPr>
+          <a:lstStyle/>
+          <a:p>
+            <a:r>
+              <a:rPr lang="en-US" dirty="0" smtClean="0">
+                <a:latin typeface="Arial" panose="020B0604020202020204" pitchFamily="34" charset="0"/>
+                <a:cs typeface="Arial" panose="020B0604020202020204" pitchFamily="34" charset="0"/>
+              </a:rPr>
+              <a:t>Ran without MS river basin</a:t>
+            </a:r>
+            <a:endParaRPr lang="en-US" dirty="0">
+              <a:latin typeface="Arial" panose="020B0604020202020204" pitchFamily="34" charset="0"/>
+              <a:cs typeface="Arial" panose="020B0604020202020204" pitchFamily="34" charset="0"/>
+            </a:endParaRPr>
+          </a:p>
+        </p:txBody>
+      </p:sp>
+      <p:sp>
+        <p:nvSpPr>
+          <p:cNvPr id="8" name="TextBox 7"/>
+          <p:cNvSpPr txBox="1"/>
+          <p:nvPr/>
+        </p:nvSpPr>
+        <p:spPr>
+          <a:xfrm>
+            <a:off x="9152315" y="573578"/>
+            <a:ext cx="2867891" cy="3416320"/>
+          </a:xfrm>
+          <a:prstGeom prst="rect">
+            <a:avLst/>
+          </a:prstGeom>
+          <a:noFill/>
+        </p:spPr>
+        <p:txBody>
+          <a:bodyPr wrap="square" rtlCol="0">
+            <a:spAutoFit/>
+          </a:bodyPr>
+          <a:lstStyle/>
+          <a:p>
+            <a:r>
+              <a:rPr lang="en-US" sz="1200" dirty="0" smtClean="0">
+                <a:latin typeface="Arial" panose="020B0604020202020204" pitchFamily="34" charset="0"/>
+                <a:cs typeface="Arial" panose="020B0604020202020204" pitchFamily="34" charset="0"/>
+              </a:rPr>
+              <a:t>Notable strong correlations: r &gt; 0.5</a:t>
+            </a:r>
+          </a:p>
+          <a:p>
+            <a:endParaRPr lang="en-US" sz="1200" dirty="0">
+              <a:latin typeface="Arial" panose="020B0604020202020204" pitchFamily="34" charset="0"/>
+              <a:cs typeface="Arial" panose="020B0604020202020204" pitchFamily="34" charset="0"/>
+            </a:endParaRPr>
+          </a:p>
+          <a:p>
+            <a:r>
+              <a:rPr lang="en-US" sz="1200" dirty="0" err="1" smtClean="0">
+                <a:latin typeface="Arial" panose="020B0604020202020204" pitchFamily="34" charset="0"/>
+                <a:cs typeface="Arial" panose="020B0604020202020204" pitchFamily="34" charset="0"/>
+              </a:rPr>
+              <a:t>net_lakes_n</a:t>
+            </a:r>
+            <a:r>
+              <a:rPr lang="en-US" sz="1200" dirty="0" smtClean="0">
+                <a:latin typeface="Arial" panose="020B0604020202020204" pitchFamily="34" charset="0"/>
+                <a:cs typeface="Arial" panose="020B0604020202020204" pitchFamily="34" charset="0"/>
+              </a:rPr>
+              <a:t>, </a:t>
+            </a:r>
+            <a:r>
+              <a:rPr lang="en-US" sz="1200" dirty="0" err="1" smtClean="0">
+                <a:latin typeface="Arial" panose="020B0604020202020204" pitchFamily="34" charset="0"/>
+                <a:cs typeface="Arial" panose="020B0604020202020204" pitchFamily="34" charset="0"/>
+              </a:rPr>
+              <a:t>net_dams_n</a:t>
+            </a:r>
+            <a:r>
+              <a:rPr lang="en-US" sz="1200" dirty="0" smtClean="0">
+                <a:latin typeface="Arial" panose="020B0604020202020204" pitchFamily="34" charset="0"/>
+                <a:cs typeface="Arial" panose="020B0604020202020204" pitchFamily="34" charset="0"/>
+              </a:rPr>
+              <a:t>; r = 0.91</a:t>
+            </a:r>
+          </a:p>
+          <a:p>
+            <a:endParaRPr lang="en-US" sz="1200" dirty="0">
+              <a:latin typeface="Arial" panose="020B0604020202020204" pitchFamily="34" charset="0"/>
+              <a:cs typeface="Arial" panose="020B0604020202020204" pitchFamily="34" charset="0"/>
+            </a:endParaRPr>
+          </a:p>
+          <a:p>
+            <a:r>
+              <a:rPr lang="en-US" sz="1200" dirty="0" err="1">
+                <a:latin typeface="Arial" panose="020B0604020202020204" pitchFamily="34" charset="0"/>
+                <a:cs typeface="Arial" panose="020B0604020202020204" pitchFamily="34" charset="0"/>
+              </a:rPr>
+              <a:t>l</a:t>
+            </a:r>
+            <a:r>
+              <a:rPr lang="en-US" sz="1200" dirty="0" err="1" smtClean="0">
+                <a:latin typeface="Arial" panose="020B0604020202020204" pitchFamily="34" charset="0"/>
+                <a:cs typeface="Arial" panose="020B0604020202020204" pitchFamily="34" charset="0"/>
+              </a:rPr>
+              <a:t>ake_net_upstreamlake_n</a:t>
+            </a:r>
+            <a:r>
+              <a:rPr lang="en-US" sz="1200" dirty="0" smtClean="0">
+                <a:latin typeface="Arial" panose="020B0604020202020204" pitchFamily="34" charset="0"/>
+                <a:cs typeface="Arial" panose="020B0604020202020204" pitchFamily="34" charset="0"/>
+              </a:rPr>
+              <a:t>, </a:t>
+            </a:r>
+            <a:r>
+              <a:rPr lang="en-US" sz="1200" dirty="0" err="1" smtClean="0">
+                <a:latin typeface="Arial" panose="020B0604020202020204" pitchFamily="34" charset="0"/>
+                <a:cs typeface="Arial" panose="020B0604020202020204" pitchFamily="34" charset="0"/>
+              </a:rPr>
+              <a:t>lake_net_totaldamup_n</a:t>
+            </a:r>
+            <a:r>
+              <a:rPr lang="en-US" sz="1200" dirty="0" smtClean="0">
+                <a:latin typeface="Arial" panose="020B0604020202020204" pitchFamily="34" charset="0"/>
+                <a:cs typeface="Arial" panose="020B0604020202020204" pitchFamily="34" charset="0"/>
+              </a:rPr>
+              <a:t>; r = 0.91</a:t>
+            </a:r>
+          </a:p>
+          <a:p>
+            <a:endParaRPr lang="en-US" sz="1200" dirty="0">
+              <a:latin typeface="Arial" panose="020B0604020202020204" pitchFamily="34" charset="0"/>
+              <a:cs typeface="Arial" panose="020B0604020202020204" pitchFamily="34" charset="0"/>
+            </a:endParaRPr>
+          </a:p>
+          <a:p>
+            <a:r>
+              <a:rPr lang="en-US" sz="1200" dirty="0" err="1">
+                <a:latin typeface="Arial" panose="020B0604020202020204" pitchFamily="34" charset="0"/>
+                <a:cs typeface="Arial" panose="020B0604020202020204" pitchFamily="34" charset="0"/>
+              </a:rPr>
+              <a:t>n</a:t>
+            </a:r>
+            <a:r>
+              <a:rPr lang="en-US" sz="1200" dirty="0" err="1" smtClean="0">
+                <a:latin typeface="Arial" panose="020B0604020202020204" pitchFamily="34" charset="0"/>
+                <a:cs typeface="Arial" panose="020B0604020202020204" pitchFamily="34" charset="0"/>
+              </a:rPr>
+              <a:t>et_lakes_n</a:t>
+            </a:r>
+            <a:r>
+              <a:rPr lang="en-US" sz="1200" dirty="0" smtClean="0">
+                <a:latin typeface="Arial" panose="020B0604020202020204" pitchFamily="34" charset="0"/>
+                <a:cs typeface="Arial" panose="020B0604020202020204" pitchFamily="34" charset="0"/>
+              </a:rPr>
+              <a:t>, </a:t>
+            </a:r>
+            <a:r>
+              <a:rPr lang="en-US" sz="1200" dirty="0" err="1" smtClean="0">
+                <a:latin typeface="Arial" panose="020B0604020202020204" pitchFamily="34" charset="0"/>
+                <a:cs typeface="Arial" panose="020B0604020202020204" pitchFamily="34" charset="0"/>
+              </a:rPr>
+              <a:t>net_averagelakedistance_km</a:t>
+            </a:r>
+            <a:r>
+              <a:rPr lang="en-US" sz="1200" dirty="0" smtClean="0">
+                <a:latin typeface="Arial" panose="020B0604020202020204" pitchFamily="34" charset="0"/>
+                <a:cs typeface="Arial" panose="020B0604020202020204" pitchFamily="34" charset="0"/>
+              </a:rPr>
+              <a:t>; r = 0.67</a:t>
+            </a:r>
+          </a:p>
+          <a:p>
+            <a:endParaRPr lang="en-US" sz="1200" dirty="0">
+              <a:latin typeface="Arial" panose="020B0604020202020204" pitchFamily="34" charset="0"/>
+              <a:cs typeface="Arial" panose="020B0604020202020204" pitchFamily="34" charset="0"/>
+            </a:endParaRPr>
+          </a:p>
+          <a:p>
+            <a:r>
+              <a:rPr lang="en-US" sz="1200" dirty="0" err="1">
+                <a:latin typeface="Arial" panose="020B0604020202020204" pitchFamily="34" charset="0"/>
+                <a:cs typeface="Arial" panose="020B0604020202020204" pitchFamily="34" charset="0"/>
+              </a:rPr>
+              <a:t>l</a:t>
+            </a:r>
+            <a:r>
+              <a:rPr lang="en-US" sz="1200" dirty="0" err="1" smtClean="0">
+                <a:latin typeface="Arial" panose="020B0604020202020204" pitchFamily="34" charset="0"/>
+                <a:cs typeface="Arial" panose="020B0604020202020204" pitchFamily="34" charset="0"/>
+              </a:rPr>
+              <a:t>ake_net_upstreamlake_km</a:t>
+            </a:r>
+            <a:r>
+              <a:rPr lang="en-US" sz="1200" dirty="0" smtClean="0">
+                <a:latin typeface="Arial" panose="020B0604020202020204" pitchFamily="34" charset="0"/>
+                <a:cs typeface="Arial" panose="020B0604020202020204" pitchFamily="34" charset="0"/>
+              </a:rPr>
+              <a:t>, </a:t>
+            </a:r>
+            <a:r>
+              <a:rPr lang="en-US" sz="1200" dirty="0" err="1" smtClean="0">
+                <a:latin typeface="Arial" panose="020B0604020202020204" pitchFamily="34" charset="0"/>
+                <a:cs typeface="Arial" panose="020B0604020202020204" pitchFamily="34" charset="0"/>
+              </a:rPr>
+              <a:t>lake_net_bidirectionallake_km</a:t>
+            </a:r>
+            <a:r>
+              <a:rPr lang="en-US" sz="1200" dirty="0" smtClean="0">
+                <a:latin typeface="Arial" panose="020B0604020202020204" pitchFamily="34" charset="0"/>
+                <a:cs typeface="Arial" panose="020B0604020202020204" pitchFamily="34" charset="0"/>
+              </a:rPr>
+              <a:t>; r = 0.78</a:t>
+            </a:r>
+          </a:p>
+          <a:p>
+            <a:endParaRPr lang="en-US" sz="1200" dirty="0">
+              <a:latin typeface="Arial" panose="020B0604020202020204" pitchFamily="34" charset="0"/>
+              <a:cs typeface="Arial" panose="020B0604020202020204" pitchFamily="34" charset="0"/>
+            </a:endParaRPr>
+          </a:p>
+          <a:p>
+            <a:r>
+              <a:rPr lang="en-US" sz="1200" dirty="0" err="1">
+                <a:latin typeface="Arial" panose="020B0604020202020204" pitchFamily="34" charset="0"/>
+                <a:cs typeface="Arial" panose="020B0604020202020204" pitchFamily="34" charset="0"/>
+              </a:rPr>
+              <a:t>n</a:t>
+            </a:r>
+            <a:r>
+              <a:rPr lang="en-US" sz="1200" dirty="0" err="1" smtClean="0">
+                <a:latin typeface="Arial" panose="020B0604020202020204" pitchFamily="34" charset="0"/>
+                <a:cs typeface="Arial" panose="020B0604020202020204" pitchFamily="34" charset="0"/>
+              </a:rPr>
+              <a:t>et_averagelakedistance_km</a:t>
+            </a:r>
+            <a:r>
+              <a:rPr lang="en-US" sz="1200" dirty="0" smtClean="0">
+                <a:latin typeface="Arial" panose="020B0604020202020204" pitchFamily="34" charset="0"/>
+                <a:cs typeface="Arial" panose="020B0604020202020204" pitchFamily="34" charset="0"/>
+              </a:rPr>
+              <a:t>, </a:t>
+            </a:r>
+            <a:r>
+              <a:rPr lang="en-US" sz="1200" dirty="0" err="1" smtClean="0">
+                <a:latin typeface="Arial" panose="020B0604020202020204" pitchFamily="34" charset="0"/>
+                <a:cs typeface="Arial" panose="020B0604020202020204" pitchFamily="34" charset="0"/>
+              </a:rPr>
+              <a:t>net_dams_n</a:t>
+            </a:r>
+            <a:r>
+              <a:rPr lang="en-US" sz="1200" dirty="0" smtClean="0">
+                <a:latin typeface="Arial" panose="020B0604020202020204" pitchFamily="34" charset="0"/>
+                <a:cs typeface="Arial" panose="020B0604020202020204" pitchFamily="34" charset="0"/>
+              </a:rPr>
+              <a:t>; r= 0.59</a:t>
+            </a:r>
+          </a:p>
+          <a:p>
+            <a:endParaRPr lang="en-US" sz="1200" dirty="0">
+              <a:latin typeface="Arial" panose="020B0604020202020204" pitchFamily="34" charset="0"/>
+              <a:cs typeface="Arial" panose="020B0604020202020204" pitchFamily="34" charset="0"/>
+            </a:endParaRPr>
+          </a:p>
+          <a:p>
+            <a:r>
+              <a:rPr lang="en-US" sz="1200" dirty="0" err="1">
+                <a:latin typeface="Arial" panose="020B0604020202020204" pitchFamily="34" charset="0"/>
+                <a:cs typeface="Arial" panose="020B0604020202020204" pitchFamily="34" charset="0"/>
+              </a:rPr>
+              <a:t>l</a:t>
+            </a:r>
+            <a:r>
+              <a:rPr lang="en-US" sz="1200" dirty="0" err="1" smtClean="0">
+                <a:latin typeface="Arial" panose="020B0604020202020204" pitchFamily="34" charset="0"/>
+                <a:cs typeface="Arial" panose="020B0604020202020204" pitchFamily="34" charset="0"/>
+              </a:rPr>
+              <a:t>ake_net_lnn</a:t>
+            </a:r>
+            <a:r>
+              <a:rPr lang="en-US" sz="1200" dirty="0" smtClean="0">
+                <a:latin typeface="Arial" panose="020B0604020202020204" pitchFamily="34" charset="0"/>
+                <a:cs typeface="Arial" panose="020B0604020202020204" pitchFamily="34" charset="0"/>
+              </a:rPr>
+              <a:t>, </a:t>
+            </a:r>
+            <a:r>
+              <a:rPr lang="en-US" sz="1200" dirty="0" err="1" smtClean="0">
+                <a:latin typeface="Arial" panose="020B0604020202020204" pitchFamily="34" charset="0"/>
+                <a:cs typeface="Arial" panose="020B0604020202020204" pitchFamily="34" charset="0"/>
+              </a:rPr>
+              <a:t>lake_net_lakeorder</a:t>
+            </a:r>
+            <a:r>
+              <a:rPr lang="en-US" sz="1200" dirty="0" smtClean="0">
+                <a:latin typeface="Arial" panose="020B0604020202020204" pitchFamily="34" charset="0"/>
+                <a:cs typeface="Arial" panose="020B0604020202020204" pitchFamily="34" charset="0"/>
+              </a:rPr>
+              <a:t>; r = 0.54</a:t>
+            </a:r>
+            <a:endParaRPr lang="en-US" sz="1200" dirty="0">
+              <a:latin typeface="Arial" panose="020B0604020202020204" pitchFamily="34" charset="0"/>
+              <a:cs typeface="Arial" panose="020B0604020202020204" pitchFamily="34" charset="0"/>
+            </a:endParaRPr>
+          </a:p>
+        </p:txBody>
+      </p:sp>
+    </p:spTree>
+    <p:extLst>
+      <p:ext uri="{BB962C8B-B14F-4D97-AF65-F5344CB8AC3E}">
+        <p14:creationId xmlns:p14="http://schemas.microsoft.com/office/powerpoint/2010/main" val="3981416751"/>
       </p:ext>
     </p:extLst>
   </p:cSld>
